--- a/docs/ark_bachelor_thesis_slide.pptx
+++ b/docs/ark_bachelor_thesis_slide.pptx
@@ -224,7 +224,7 @@
           <a:p>
             <a:fld id="{2CAF034E-3764-E44D-8BB7-07E1A30FEFCB}" type="datetimeFigureOut">
               <a:rPr kumimoji="1" lang="ja-JP" altLang="en-US" smtClean="0"/>
-              <a:t>2025/2/3</a:t>
+              <a:t>2025/3/27</a:t>
             </a:fld>
             <a:endParaRPr kumimoji="1" lang="ja-JP" altLang="en-US"/>
           </a:p>
@@ -3571,7 +3571,7 @@
           <a:p>
             <a:fld id="{E4BC8B85-1EDC-714C-9515-B545782F1FC5}" type="datetime1">
               <a:rPr kumimoji="1" lang="ja-JP" altLang="en-US" smtClean="0"/>
-              <a:t>2025/2/3</a:t>
+              <a:t>2025/3/27</a:t>
             </a:fld>
             <a:endParaRPr kumimoji="1" lang="ja-JP" altLang="en-US"/>
           </a:p>
@@ -3801,7 +3801,7 @@
           <a:p>
             <a:fld id="{F27FB764-8B27-AF43-8DC5-5BB1FFAA7E9B}" type="datetime1">
               <a:rPr kumimoji="1" lang="ja-JP" altLang="en-US" smtClean="0"/>
-              <a:t>2025/2/3</a:t>
+              <a:t>2025/3/27</a:t>
             </a:fld>
             <a:endParaRPr kumimoji="1" lang="ja-JP" altLang="en-US"/>
           </a:p>
@@ -4041,7 +4041,7 @@
           <a:p>
             <a:fld id="{BEEE0352-E354-C849-8E26-BD256EB938BB}" type="datetime1">
               <a:rPr kumimoji="1" lang="ja-JP" altLang="en-US" smtClean="0"/>
-              <a:t>2025/2/3</a:t>
+              <a:t>2025/3/27</a:t>
             </a:fld>
             <a:endParaRPr kumimoji="1" lang="ja-JP" altLang="en-US"/>
           </a:p>
@@ -4271,7 +4271,7 @@
           <a:p>
             <a:fld id="{37F608B6-D496-CA43-9A79-465AAB9612AB}" type="datetime1">
               <a:rPr kumimoji="1" lang="ja-JP" altLang="en-US" smtClean="0"/>
-              <a:t>2025/2/3</a:t>
+              <a:t>2025/3/27</a:t>
             </a:fld>
             <a:endParaRPr kumimoji="1" lang="ja-JP" altLang="en-US"/>
           </a:p>
@@ -4546,7 +4546,7 @@
           <a:p>
             <a:fld id="{9FB7BAB5-B1E2-FE46-9E38-D65E78DE3070}" type="datetime1">
               <a:rPr kumimoji="1" lang="ja-JP" altLang="en-US" smtClean="0"/>
-              <a:t>2025/2/3</a:t>
+              <a:t>2025/3/27</a:t>
             </a:fld>
             <a:endParaRPr kumimoji="1" lang="ja-JP" altLang="en-US"/>
           </a:p>
@@ -4875,7 +4875,7 @@
           <a:p>
             <a:fld id="{513368E1-191A-ED40-ABF6-C7C6348A215D}" type="datetime1">
               <a:rPr kumimoji="1" lang="ja-JP" altLang="en-US" smtClean="0"/>
-              <a:t>2025/2/3</a:t>
+              <a:t>2025/3/27</a:t>
             </a:fld>
             <a:endParaRPr kumimoji="1" lang="ja-JP" altLang="en-US"/>
           </a:p>
@@ -5351,7 +5351,7 @@
           <a:p>
             <a:fld id="{71BC64EC-A5FD-3E46-A0A3-A06C3604BD9E}" type="datetime1">
               <a:rPr kumimoji="1" lang="ja-JP" altLang="en-US" smtClean="0"/>
-              <a:t>2025/2/3</a:t>
+              <a:t>2025/3/27</a:t>
             </a:fld>
             <a:endParaRPr kumimoji="1" lang="ja-JP" altLang="en-US"/>
           </a:p>
@@ -5492,7 +5492,7 @@
           <a:p>
             <a:fld id="{0B1C8163-3A6B-BE4E-867B-E00727891BB1}" type="datetime1">
               <a:rPr kumimoji="1" lang="ja-JP" altLang="en-US" smtClean="0"/>
-              <a:t>2025/2/3</a:t>
+              <a:t>2025/3/27</a:t>
             </a:fld>
             <a:endParaRPr kumimoji="1" lang="ja-JP" altLang="en-US"/>
           </a:p>
@@ -5605,7 +5605,7 @@
           <a:p>
             <a:fld id="{E1EEE490-8739-DD40-B8A2-27BE1B84E71D}" type="datetime1">
               <a:rPr kumimoji="1" lang="ja-JP" altLang="en-US" smtClean="0"/>
-              <a:t>2025/2/3</a:t>
+              <a:t>2025/3/27</a:t>
             </a:fld>
             <a:endParaRPr kumimoji="1" lang="ja-JP" altLang="en-US"/>
           </a:p>
@@ -5948,7 +5948,7 @@
           <a:p>
             <a:fld id="{11AF1B33-CF0C-314F-932A-20273CB424AD}" type="datetime1">
               <a:rPr kumimoji="1" lang="ja-JP" altLang="en-US" smtClean="0"/>
-              <a:t>2025/2/3</a:t>
+              <a:t>2025/3/27</a:t>
             </a:fld>
             <a:endParaRPr kumimoji="1" lang="ja-JP" altLang="en-US"/>
           </a:p>
@@ -6236,7 +6236,7 @@
           <a:p>
             <a:fld id="{0D07A58F-9CDF-8D47-9EF8-CFD0F9AFE1DA}" type="datetime1">
               <a:rPr kumimoji="1" lang="ja-JP" altLang="en-US" smtClean="0"/>
-              <a:t>2025/2/3</a:t>
+              <a:t>2025/3/27</a:t>
             </a:fld>
             <a:endParaRPr kumimoji="1" lang="ja-JP" altLang="en-US"/>
           </a:p>
@@ -6509,7 +6509,7 @@
           <a:p>
             <a:fld id="{AB77937F-853F-A14C-8256-164AC39284BE}" type="datetime1">
               <a:rPr kumimoji="1" lang="ja-JP" altLang="en-US" smtClean="0"/>
-              <a:t>2025/2/3</a:t>
+              <a:t>2025/3/27</a:t>
             </a:fld>
             <a:endParaRPr kumimoji="1" lang="ja-JP" altLang="en-US"/>
           </a:p>
@@ -11708,7 +11708,7 @@
 </file>
 
 <file path=ppt/slides/slide18.xml><?xml version="1.0" encoding="utf-8"?>
-<p:sld xmlns:a="http://schemas.openxmlformats.org/drawingml/2006/main" xmlns:r="http://schemas.openxmlformats.org/officeDocument/2006/relationships" xmlns:p="http://schemas.openxmlformats.org/presentationml/2006/main">
+<p:sld xmlns:a="http://schemas.openxmlformats.org/drawingml/2006/main" xmlns:r="http://schemas.openxmlformats.org/officeDocument/2006/relationships" xmlns:p="http://schemas.openxmlformats.org/presentationml/2006/main" show="0">
   <p:cSld>
     <p:spTree>
       <p:nvGrpSpPr>
@@ -12426,7 +12426,7 @@
 </file>
 
 <file path=ppt/slides/slide19.xml><?xml version="1.0" encoding="utf-8"?>
-<p:sld xmlns:a="http://schemas.openxmlformats.org/drawingml/2006/main" xmlns:r="http://schemas.openxmlformats.org/officeDocument/2006/relationships" xmlns:p="http://schemas.openxmlformats.org/presentationml/2006/main">
+<p:sld xmlns:a="http://schemas.openxmlformats.org/drawingml/2006/main" xmlns:r="http://schemas.openxmlformats.org/officeDocument/2006/relationships" xmlns:p="http://schemas.openxmlformats.org/presentationml/2006/main" show="0">
   <p:cSld>
     <p:spTree>
       <p:nvGrpSpPr>
@@ -13028,7 +13028,7 @@
 </file>
 
 <file path=ppt/slides/slide2.xml><?xml version="1.0" encoding="utf-8"?>
-<p:sld xmlns:a="http://schemas.openxmlformats.org/drawingml/2006/main" xmlns:r="http://schemas.openxmlformats.org/officeDocument/2006/relationships" xmlns:p="http://schemas.openxmlformats.org/presentationml/2006/main">
+<p:sld xmlns:a="http://schemas.openxmlformats.org/drawingml/2006/main" xmlns:r="http://schemas.openxmlformats.org/officeDocument/2006/relationships" xmlns:p="http://schemas.openxmlformats.org/presentationml/2006/main" show="0">
   <p:cSld>
     <p:spTree>
       <p:nvGrpSpPr>
@@ -14287,7 +14287,7 @@
 </file>
 
 <file path=ppt/slides/slide20.xml><?xml version="1.0" encoding="utf-8"?>
-<p:sld xmlns:a="http://schemas.openxmlformats.org/drawingml/2006/main" xmlns:r="http://schemas.openxmlformats.org/officeDocument/2006/relationships" xmlns:p="http://schemas.openxmlformats.org/presentationml/2006/main">
+<p:sld xmlns:a="http://schemas.openxmlformats.org/drawingml/2006/main" xmlns:r="http://schemas.openxmlformats.org/officeDocument/2006/relationships" xmlns:p="http://schemas.openxmlformats.org/presentationml/2006/main" show="0">
   <p:cSld>
     <p:spTree>
       <p:nvGrpSpPr>
@@ -14980,7 +14980,7 @@
 </file>
 
 <file path=ppt/slides/slide21.xml><?xml version="1.0" encoding="utf-8"?>
-<p:sld xmlns:a="http://schemas.openxmlformats.org/drawingml/2006/main" xmlns:r="http://schemas.openxmlformats.org/officeDocument/2006/relationships" xmlns:p="http://schemas.openxmlformats.org/presentationml/2006/main">
+<p:sld xmlns:a="http://schemas.openxmlformats.org/drawingml/2006/main" xmlns:r="http://schemas.openxmlformats.org/officeDocument/2006/relationships" xmlns:p="http://schemas.openxmlformats.org/presentationml/2006/main" show="0">
   <p:cSld>
     <p:spTree>
       <p:nvGrpSpPr>
@@ -15459,7 +15459,7 @@
 </file>
 
 <file path=ppt/slides/slide22.xml><?xml version="1.0" encoding="utf-8"?>
-<p:sld xmlns:a="http://schemas.openxmlformats.org/drawingml/2006/main" xmlns:r="http://schemas.openxmlformats.org/officeDocument/2006/relationships" xmlns:p="http://schemas.openxmlformats.org/presentationml/2006/main">
+<p:sld xmlns:a="http://schemas.openxmlformats.org/drawingml/2006/main" xmlns:r="http://schemas.openxmlformats.org/officeDocument/2006/relationships" xmlns:p="http://schemas.openxmlformats.org/presentationml/2006/main" show="0">
   <p:cSld>
     <p:spTree>
       <p:nvGrpSpPr>
@@ -16145,7 +16145,7 @@
 </file>
 
 <file path=ppt/slides/slide23.xml><?xml version="1.0" encoding="utf-8"?>
-<p:sld xmlns:a="http://schemas.openxmlformats.org/drawingml/2006/main" xmlns:r="http://schemas.openxmlformats.org/officeDocument/2006/relationships" xmlns:p="http://schemas.openxmlformats.org/presentationml/2006/main">
+<p:sld xmlns:a="http://schemas.openxmlformats.org/drawingml/2006/main" xmlns:r="http://schemas.openxmlformats.org/officeDocument/2006/relationships" xmlns:p="http://schemas.openxmlformats.org/presentationml/2006/main" show="0">
   <p:cSld>
     <p:spTree>
       <p:nvGrpSpPr>
@@ -17992,7 +17992,7 @@
 </file>
 
 <file path=ppt/slides/slide24.xml><?xml version="1.0" encoding="utf-8"?>
-<p:sld xmlns:a="http://schemas.openxmlformats.org/drawingml/2006/main" xmlns:r="http://schemas.openxmlformats.org/officeDocument/2006/relationships" xmlns:p="http://schemas.openxmlformats.org/presentationml/2006/main">
+<p:sld xmlns:a="http://schemas.openxmlformats.org/drawingml/2006/main" xmlns:r="http://schemas.openxmlformats.org/officeDocument/2006/relationships" xmlns:p="http://schemas.openxmlformats.org/presentationml/2006/main" show="0">
   <p:cSld>
     <p:spTree>
       <p:nvGrpSpPr>
@@ -18805,7 +18805,7 @@
 </file>
 
 <file path=ppt/slides/slide3.xml><?xml version="1.0" encoding="utf-8"?>
-<p:sld xmlns:a="http://schemas.openxmlformats.org/drawingml/2006/main" xmlns:r="http://schemas.openxmlformats.org/officeDocument/2006/relationships" xmlns:p="http://schemas.openxmlformats.org/presentationml/2006/main">
+<p:sld xmlns:a="http://schemas.openxmlformats.org/drawingml/2006/main" xmlns:r="http://schemas.openxmlformats.org/officeDocument/2006/relationships" xmlns:p="http://schemas.openxmlformats.org/presentationml/2006/main" show="0">
   <p:cSld>
     <p:spTree>
       <p:nvGrpSpPr>
@@ -19494,7 +19494,7 @@
 </file>
 
 <file path=ppt/slides/slide4.xml><?xml version="1.0" encoding="utf-8"?>
-<p:sld xmlns:a="http://schemas.openxmlformats.org/drawingml/2006/main" xmlns:r="http://schemas.openxmlformats.org/officeDocument/2006/relationships" xmlns:p="http://schemas.openxmlformats.org/presentationml/2006/main">
+<p:sld xmlns:a="http://schemas.openxmlformats.org/drawingml/2006/main" xmlns:r="http://schemas.openxmlformats.org/officeDocument/2006/relationships" xmlns:p="http://schemas.openxmlformats.org/presentationml/2006/main" show="0">
   <p:cSld>
     <p:spTree>
       <p:nvGrpSpPr>
@@ -20203,7 +20203,7 @@
 </file>
 
 <file path=ppt/slides/slide5.xml><?xml version="1.0" encoding="utf-8"?>
-<p:sld xmlns:a="http://schemas.openxmlformats.org/drawingml/2006/main" xmlns:r="http://schemas.openxmlformats.org/officeDocument/2006/relationships" xmlns:p="http://schemas.openxmlformats.org/presentationml/2006/main">
+<p:sld xmlns:a="http://schemas.openxmlformats.org/drawingml/2006/main" xmlns:r="http://schemas.openxmlformats.org/officeDocument/2006/relationships" xmlns:p="http://schemas.openxmlformats.org/presentationml/2006/main" show="0">
   <p:cSld>
     <p:spTree>
       <p:nvGrpSpPr>
@@ -21213,7 +21213,7 @@
 </file>
 
 <file path=ppt/slides/slide6.xml><?xml version="1.0" encoding="utf-8"?>
-<p:sld xmlns:a="http://schemas.openxmlformats.org/drawingml/2006/main" xmlns:r="http://schemas.openxmlformats.org/officeDocument/2006/relationships" xmlns:p="http://schemas.openxmlformats.org/presentationml/2006/main">
+<p:sld xmlns:a="http://schemas.openxmlformats.org/drawingml/2006/main" xmlns:r="http://schemas.openxmlformats.org/officeDocument/2006/relationships" xmlns:p="http://schemas.openxmlformats.org/presentationml/2006/main" show="0">
   <p:cSld>
     <p:spTree>
       <p:nvGrpSpPr>
@@ -22532,7 +22532,7 @@
 </file>
 
 <file path=ppt/slides/slide7.xml><?xml version="1.0" encoding="utf-8"?>
-<p:sld xmlns:a="http://schemas.openxmlformats.org/drawingml/2006/main" xmlns:r="http://schemas.openxmlformats.org/officeDocument/2006/relationships" xmlns:p="http://schemas.openxmlformats.org/presentationml/2006/main">
+<p:sld xmlns:a="http://schemas.openxmlformats.org/drawingml/2006/main" xmlns:r="http://schemas.openxmlformats.org/officeDocument/2006/relationships" xmlns:p="http://schemas.openxmlformats.org/presentationml/2006/main" show="0">
   <p:cSld>
     <p:spTree>
       <p:nvGrpSpPr>
